--- a/6-Bonus/Paper Presentation_ Majwega Jackson_20266030.pptx
+++ b/6-Bonus/Paper Presentation_ Majwega Jackson_20266030.pptx
@@ -5905,7 +5905,9 @@
           </a:xfrm>
         </p:spPr>
         <p:txBody>
-          <a:bodyPr/>
+          <a:bodyPr>
+            <a:normAutofit fontScale="92500" lnSpcReduction="10000"/>
+          </a:bodyPr>
           <a:lstStyle/>
           <a:p>
             <a:pPr marL="0" indent="0" algn="ctr">
@@ -6073,20 +6075,12 @@
             </a:pPr>
             <a:r>
               <a:rPr lang="en-US" b="1" dirty="0" smtClean="0"/>
-              <a:t>Uploaded </a:t>
-            </a:r>
-            <a:r>
-              <a:rPr lang="en-US" b="1" smtClean="0"/>
-              <a:t>link: https</a:t>
+              <a:t>Uploaded link</a:t>
             </a:r>
             <a:r>
               <a:rPr lang="en-US" b="1" dirty="0"/>
-              <a:t>://youtu.be/M7RxQRvV22I</a:t>
-            </a:r>
-            <a:endParaRPr lang="en-US" b="1" dirty="0" smtClean="0"/>
-          </a:p>
-          <a:p>
-            <a:pPr algn="ctr"/>
+              <a:t>: https://drive.google.com/file/d/1lhFvJBDbLc27p8gckzscuh0alHI_mh3O/view?usp=sharing</a:t>
+            </a:r>
             <a:endParaRPr lang="en-US" b="1" dirty="0"/>
           </a:p>
           <a:p>
